--- a/Clase 9/clase9.pptx
+++ b/Clase 9/clase9.pptx
@@ -12025,7 +12025,7 @@
           <a:lstStyle/>
           <a:p>
             <a:pPr algn="ctr"/>
-            <a:endParaRPr lang="zh-CN" altLang="en-US"/>
+            <a:endParaRPr lang="zh-CN" altLang="en-US" dirty="0"/>
           </a:p>
         </p:txBody>
       </p:sp>
@@ -17343,7 +17343,7 @@
         <p:spPr>
           <a:xfrm>
             <a:off x="1828800" y="2794000"/>
-            <a:ext cx="4699000" cy="304800"/>
+            <a:ext cx="4461158" cy="341119"/>
           </a:xfrm>
           <a:prstGeom prst="rect">
             <a:avLst/>
@@ -17370,7 +17370,7 @@
                 <a:latin typeface="Lucida Sans Unicode" pitchFamily="18" charset="0"/>
                 <a:cs typeface="Lucida Sans Unicode" pitchFamily="18" charset="0"/>
               </a:rPr>
-              <a:t>RETURNS</a:t>
+              <a:t>URNS</a:t>
             </a:r>
             <a:r>
               <a:rPr lang="en-US" altLang="zh-CN" sz="995" dirty="0">
@@ -17609,7 +17609,7 @@
                 <a:latin typeface="Lucida Sans Unicode" pitchFamily="18" charset="0"/>
                 <a:cs typeface="Lucida Sans Unicode" pitchFamily="18" charset="0"/>
               </a:rPr>
-              <a:t>AS</a:t>
+              <a:t>ASRET</a:t>
             </a:r>
           </a:p>
         </p:txBody>
